--- a/аналитика/лекции/2 предварительная обработка данных.pptx
+++ b/аналитика/лекции/2 предварительная обработка данных.pptx
@@ -14,11 +14,10 @@
     <p:sldId id="261" r:id="rId8"/>
     <p:sldId id="263" r:id="rId9"/>
     <p:sldId id="264" r:id="rId10"/>
-    <p:sldId id="265" r:id="rId11"/>
-    <p:sldId id="262" r:id="rId12"/>
-    <p:sldId id="269" r:id="rId13"/>
-    <p:sldId id="266" r:id="rId14"/>
-    <p:sldId id="268" r:id="rId15"/>
+    <p:sldId id="262" r:id="rId11"/>
+    <p:sldId id="269" r:id="rId12"/>
+    <p:sldId id="266" r:id="rId13"/>
+    <p:sldId id="268" r:id="rId14"/>
   </p:sldIdLst>
   <p:sldSz cx="9144000" cy="6858000" type="screen4x3"/>
   <p:notesSz cx="6858000" cy="9144000"/>
@@ -302,7 +301,7 @@
             <a:fld id="{47CE11B8-3BAF-47CB-BD29-2C6350B84229}" type="datetimeFigureOut">
               <a:rPr lang="ru-RU" smtClean="0"/>
               <a:pPr/>
-              <a:t>24.02.2026</a:t>
+              <a:t>25.02.2026</a:t>
             </a:fld>
             <a:endParaRPr lang="ru-RU"/>
           </a:p>
@@ -469,7 +468,7 @@
             <a:fld id="{47CE11B8-3BAF-47CB-BD29-2C6350B84229}" type="datetimeFigureOut">
               <a:rPr lang="ru-RU" smtClean="0"/>
               <a:pPr/>
-              <a:t>24.02.2026</a:t>
+              <a:t>25.02.2026</a:t>
             </a:fld>
             <a:endParaRPr lang="ru-RU"/>
           </a:p>
@@ -646,7 +645,7 @@
             <a:fld id="{47CE11B8-3BAF-47CB-BD29-2C6350B84229}" type="datetimeFigureOut">
               <a:rPr lang="ru-RU" smtClean="0"/>
               <a:pPr/>
-              <a:t>24.02.2026</a:t>
+              <a:t>25.02.2026</a:t>
             </a:fld>
             <a:endParaRPr lang="ru-RU"/>
           </a:p>
@@ -813,7 +812,7 @@
             <a:fld id="{47CE11B8-3BAF-47CB-BD29-2C6350B84229}" type="datetimeFigureOut">
               <a:rPr lang="ru-RU" smtClean="0"/>
               <a:pPr/>
-              <a:t>24.02.2026</a:t>
+              <a:t>25.02.2026</a:t>
             </a:fld>
             <a:endParaRPr lang="ru-RU"/>
           </a:p>
@@ -1056,7 +1055,7 @@
             <a:fld id="{47CE11B8-3BAF-47CB-BD29-2C6350B84229}" type="datetimeFigureOut">
               <a:rPr lang="ru-RU" smtClean="0"/>
               <a:pPr/>
-              <a:t>24.02.2026</a:t>
+              <a:t>25.02.2026</a:t>
             </a:fld>
             <a:endParaRPr lang="ru-RU"/>
           </a:p>
@@ -1341,7 +1340,7 @@
             <a:fld id="{47CE11B8-3BAF-47CB-BD29-2C6350B84229}" type="datetimeFigureOut">
               <a:rPr lang="ru-RU" smtClean="0"/>
               <a:pPr/>
-              <a:t>24.02.2026</a:t>
+              <a:t>25.02.2026</a:t>
             </a:fld>
             <a:endParaRPr lang="ru-RU"/>
           </a:p>
@@ -1760,7 +1759,7 @@
             <a:fld id="{47CE11B8-3BAF-47CB-BD29-2C6350B84229}" type="datetimeFigureOut">
               <a:rPr lang="ru-RU" smtClean="0"/>
               <a:pPr/>
-              <a:t>24.02.2026</a:t>
+              <a:t>25.02.2026</a:t>
             </a:fld>
             <a:endParaRPr lang="ru-RU"/>
           </a:p>
@@ -1875,7 +1874,7 @@
             <a:fld id="{47CE11B8-3BAF-47CB-BD29-2C6350B84229}" type="datetimeFigureOut">
               <a:rPr lang="ru-RU" smtClean="0"/>
               <a:pPr/>
-              <a:t>24.02.2026</a:t>
+              <a:t>25.02.2026</a:t>
             </a:fld>
             <a:endParaRPr lang="ru-RU"/>
           </a:p>
@@ -1967,7 +1966,7 @@
             <a:fld id="{47CE11B8-3BAF-47CB-BD29-2C6350B84229}" type="datetimeFigureOut">
               <a:rPr lang="ru-RU" smtClean="0"/>
               <a:pPr/>
-              <a:t>24.02.2026</a:t>
+              <a:t>25.02.2026</a:t>
             </a:fld>
             <a:endParaRPr lang="ru-RU"/>
           </a:p>
@@ -2241,7 +2240,7 @@
             <a:fld id="{47CE11B8-3BAF-47CB-BD29-2C6350B84229}" type="datetimeFigureOut">
               <a:rPr lang="ru-RU" smtClean="0"/>
               <a:pPr/>
-              <a:t>24.02.2026</a:t>
+              <a:t>25.02.2026</a:t>
             </a:fld>
             <a:endParaRPr lang="ru-RU"/>
           </a:p>
@@ -2491,7 +2490,7 @@
             <a:fld id="{47CE11B8-3BAF-47CB-BD29-2C6350B84229}" type="datetimeFigureOut">
               <a:rPr lang="ru-RU" smtClean="0"/>
               <a:pPr/>
-              <a:t>24.02.2026</a:t>
+              <a:t>25.02.2026</a:t>
             </a:fld>
             <a:endParaRPr lang="ru-RU"/>
           </a:p>
@@ -2701,7 +2700,7 @@
             <a:fld id="{47CE11B8-3BAF-47CB-BD29-2C6350B84229}" type="datetimeFigureOut">
               <a:rPr lang="ru-RU" smtClean="0"/>
               <a:pPr/>
-              <a:t>24.02.2026</a:t>
+              <a:t>25.02.2026</a:t>
             </a:fld>
             <a:endParaRPr lang="ru-RU"/>
           </a:p>
@@ -3128,8 +3127,8 @@
         </p:nvSpPr>
         <p:spPr>
           <a:xfrm>
-            <a:off x="0" y="642918"/>
-            <a:ext cx="9144000" cy="1200329"/>
+            <a:off x="0" y="391049"/>
+            <a:ext cx="9144000" cy="1015663"/>
           </a:xfrm>
           <a:prstGeom prst="rect">
             <a:avLst/>
@@ -3143,85 +3142,57 @@
           <a:p>
             <a:pPr algn="just"/>
             <a:r>
-              <a:rPr lang="ru-RU" dirty="0" smtClean="0">
-                <a:latin typeface="Times New Roman" pitchFamily="18" charset="0"/>
-                <a:cs typeface="Times New Roman" pitchFamily="18" charset="0"/>
-              </a:rPr>
-              <a:t>проверяет, содержится ли значение в заданном списке/множестве. Идеален, когда нужно отобрать строки по нескольким конкретным значениям столбца.</a:t>
-            </a:r>
-          </a:p>
-          <a:p>
-            <a:pPr algn="just"/>
-            <a:r>
-              <a:rPr lang="ru-RU" dirty="0" smtClean="0">
-                <a:latin typeface="Times New Roman" pitchFamily="18" charset="0"/>
-                <a:cs typeface="Times New Roman" pitchFamily="18" charset="0"/>
-              </a:rPr>
-              <a:t>Как работает: вы даёте список значений, </a:t>
-            </a:r>
-            <a:r>
-              <a:rPr lang="ru-RU" dirty="0" err="1" smtClean="0">
-                <a:latin typeface="Times New Roman" pitchFamily="18" charset="0"/>
-                <a:cs typeface="Times New Roman" pitchFamily="18" charset="0"/>
-              </a:rPr>
-              <a:t>isin</a:t>
-            </a:r>
-            <a:r>
-              <a:rPr lang="ru-RU" dirty="0" smtClean="0">
-                <a:latin typeface="Times New Roman" pitchFamily="18" charset="0"/>
-                <a:cs typeface="Times New Roman" pitchFamily="18" charset="0"/>
-              </a:rPr>
-              <a:t>() возвращает </a:t>
-            </a:r>
-            <a:r>
-              <a:rPr lang="ru-RU" dirty="0" err="1" smtClean="0">
-                <a:latin typeface="Times New Roman" pitchFamily="18" charset="0"/>
-                <a:cs typeface="Times New Roman" pitchFamily="18" charset="0"/>
-              </a:rPr>
-              <a:t>True</a:t>
-            </a:r>
-            <a:r>
-              <a:rPr lang="ru-RU" dirty="0" smtClean="0">
-                <a:latin typeface="Times New Roman" pitchFamily="18" charset="0"/>
-                <a:cs typeface="Times New Roman" pitchFamily="18" charset="0"/>
-              </a:rPr>
-              <a:t> для строк, где значение столбца есть в этом списке.</a:t>
-            </a:r>
-          </a:p>
-        </p:txBody>
-      </p:sp>
-      <p:sp>
-        <p:nvSpPr>
-          <p:cNvPr id="4" name="Прямоугольник 3"/>
-          <p:cNvSpPr/>
-          <p:nvPr/>
-        </p:nvSpPr>
-        <p:spPr>
-          <a:xfrm>
-            <a:off x="4000496" y="0"/>
-            <a:ext cx="623889" cy="461665"/>
-          </a:xfrm>
-          <a:prstGeom prst="rect">
-            <a:avLst/>
-          </a:prstGeom>
-        </p:spPr>
-        <p:txBody>
-          <a:bodyPr wrap="none">
-            <a:spAutoFit/>
-          </a:bodyPr>
-          <a:lstStyle/>
-          <a:p>
-            <a:r>
-              <a:rPr lang="en-US" sz="2400" b="1" dirty="0" err="1" smtClean="0"/>
-              <a:t>isin</a:t>
-            </a:r>
-            <a:endParaRPr lang="ru-RU" sz="2400" b="1" dirty="0"/>
+              <a:rPr lang="ru-RU" sz="2000" b="1" dirty="0" smtClean="0">
+                <a:latin typeface="Times New Roman" pitchFamily="18" charset="0"/>
+                <a:cs typeface="Times New Roman" pitchFamily="18" charset="0"/>
+              </a:rPr>
+              <a:t>Работа с датами и временем в </a:t>
+            </a:r>
+            <a:r>
+              <a:rPr lang="ru-RU" sz="2000" b="1" dirty="0" err="1" smtClean="0">
+                <a:latin typeface="Times New Roman" pitchFamily="18" charset="0"/>
+                <a:cs typeface="Times New Roman" pitchFamily="18" charset="0"/>
+              </a:rPr>
+              <a:t>Python</a:t>
+            </a:r>
+            <a:r>
+              <a:rPr lang="ru-RU" sz="2000" b="1" dirty="0" smtClean="0">
+                <a:latin typeface="Times New Roman" pitchFamily="18" charset="0"/>
+                <a:cs typeface="Times New Roman" pitchFamily="18" charset="0"/>
+              </a:rPr>
+              <a:t> </a:t>
+            </a:r>
+            <a:r>
+              <a:rPr lang="ru-RU" sz="2000" dirty="0" smtClean="0">
+                <a:latin typeface="Times New Roman" pitchFamily="18" charset="0"/>
+                <a:cs typeface="Times New Roman" pitchFamily="18" charset="0"/>
+              </a:rPr>
+              <a:t>— важная часть анализа данных. Часто исходные данные содержат даты в виде строк или неструктурированного текста, а для расчётов, фильтрации и визуализации нужен специальный формат </a:t>
+            </a:r>
+            <a:r>
+              <a:rPr lang="ru-RU" sz="2000" dirty="0" err="1" smtClean="0">
+                <a:latin typeface="Times New Roman" pitchFamily="18" charset="0"/>
+                <a:cs typeface="Times New Roman" pitchFamily="18" charset="0"/>
+              </a:rPr>
+              <a:t>datetime</a:t>
+            </a:r>
+            <a:r>
+              <a:rPr lang="ru-RU" sz="2000" dirty="0" smtClean="0">
+                <a:latin typeface="Times New Roman" pitchFamily="18" charset="0"/>
+                <a:cs typeface="Times New Roman" pitchFamily="18" charset="0"/>
+              </a:rPr>
+              <a:t>.</a:t>
+            </a:r>
+            <a:endParaRPr lang="ru-RU" sz="2000" dirty="0">
+              <a:latin typeface="Times New Roman" pitchFamily="18" charset="0"/>
+              <a:cs typeface="Times New Roman" pitchFamily="18" charset="0"/>
+            </a:endParaRPr>
           </a:p>
         </p:txBody>
       </p:sp>
       <p:pic>
         <p:nvPicPr>
-          <p:cNvPr id="22530" name="Picture 2"/>
+          <p:cNvPr id="6146" name="Picture 2"/>
           <p:cNvPicPr>
             <a:picLocks noChangeAspect="1" noChangeArrowheads="1"/>
           </p:cNvPicPr>
@@ -3236,8 +3207,8 @@
         </p:blipFill>
         <p:spPr bwMode="auto">
           <a:xfrm>
-            <a:off x="1086759" y="2214555"/>
-            <a:ext cx="6970484" cy="2428892"/>
+            <a:off x="785786" y="1643050"/>
+            <a:ext cx="7429552" cy="3575398"/>
           </a:xfrm>
           <a:prstGeom prst="rect">
             <a:avLst/>
@@ -3252,6 +3223,76 @@
           <a:effectLst/>
         </p:spPr>
       </p:pic>
+      <p:pic>
+        <p:nvPicPr>
+          <p:cNvPr id="6147" name="Picture 3"/>
+          <p:cNvPicPr>
+            <a:picLocks noChangeAspect="1" noChangeArrowheads="1"/>
+          </p:cNvPicPr>
+          <p:nvPr/>
+        </p:nvPicPr>
+        <p:blipFill>
+          <a:blip r:embed="rId3"/>
+          <a:srcRect/>
+          <a:stretch>
+            <a:fillRect/>
+          </a:stretch>
+        </p:blipFill>
+        <p:spPr bwMode="auto">
+          <a:xfrm>
+            <a:off x="714348" y="5238746"/>
+            <a:ext cx="7713537" cy="1619254"/>
+          </a:xfrm>
+          <a:prstGeom prst="rect">
+            <a:avLst/>
+          </a:prstGeom>
+          <a:noFill/>
+          <a:ln w="9525">
+            <a:noFill/>
+            <a:miter lim="800000"/>
+            <a:headEnd/>
+            <a:tailEnd/>
+          </a:ln>
+          <a:effectLst/>
+        </p:spPr>
+      </p:pic>
+      <p:sp>
+        <p:nvSpPr>
+          <p:cNvPr id="5" name="Прямоугольник 4"/>
+          <p:cNvSpPr/>
+          <p:nvPr/>
+        </p:nvSpPr>
+        <p:spPr>
+          <a:xfrm>
+            <a:off x="0" y="0"/>
+            <a:ext cx="9143968" cy="369332"/>
+          </a:xfrm>
+          <a:prstGeom prst="rect">
+            <a:avLst/>
+          </a:prstGeom>
+        </p:spPr>
+        <p:txBody>
+          <a:bodyPr wrap="square">
+            <a:spAutoFit/>
+          </a:bodyPr>
+          <a:lstStyle/>
+          <a:p>
+            <a:pPr algn="ctr"/>
+            <a:r>
+              <a:rPr lang="en-US" b="1" dirty="0" smtClean="0">
+                <a:latin typeface="Times New Roman" pitchFamily="18" charset="0"/>
+                <a:cs typeface="Times New Roman" pitchFamily="18" charset="0"/>
+                <a:hlinkClick r:id="rId4"/>
+              </a:rPr>
+              <a:t>https://metanit.com/python/tutorial/8.1.php?ysclid=mltjo2qza3137811473</a:t>
+            </a:r>
+            <a:endParaRPr lang="en-US" b="1" dirty="0" smtClean="0">
+              <a:latin typeface="Times New Roman" pitchFamily="18" charset="0"/>
+              <a:cs typeface="Times New Roman" pitchFamily="18" charset="0"/>
+            </a:endParaRPr>
+          </a:p>
+        </p:txBody>
+      </p:sp>
     </p:spTree>
   </p:cSld>
   <p:clrMapOvr>
@@ -3279,14 +3320,14 @@
       </p:grpSpPr>
       <p:sp>
         <p:nvSpPr>
-          <p:cNvPr id="3" name="Прямоугольник 2"/>
+          <p:cNvPr id="2" name="Прямоугольник 1"/>
           <p:cNvSpPr/>
           <p:nvPr/>
         </p:nvSpPr>
         <p:spPr>
           <a:xfrm>
-            <a:off x="0" y="391049"/>
-            <a:ext cx="9144000" cy="1015663"/>
+            <a:off x="0" y="214290"/>
+            <a:ext cx="9144000" cy="6678751"/>
           </a:xfrm>
           <a:prstGeom prst="rect">
             <a:avLst/>
@@ -3300,153 +3341,349 @@
           <a:p>
             <a:pPr algn="just"/>
             <a:r>
-              <a:rPr lang="ru-RU" sz="2000" b="1" dirty="0" smtClean="0">
-                <a:latin typeface="Times New Roman" pitchFamily="18" charset="0"/>
-                <a:cs typeface="Times New Roman" pitchFamily="18" charset="0"/>
-              </a:rPr>
-              <a:t>Работа с датами и временем в </a:t>
-            </a:r>
-            <a:r>
-              <a:rPr lang="ru-RU" sz="2000" b="1" dirty="0" err="1" smtClean="0">
+              <a:rPr lang="ru-RU" sz="2400" b="1" dirty="0" err="1" smtClean="0">
+                <a:latin typeface="Times New Roman" pitchFamily="18" charset="0"/>
+                <a:cs typeface="Times New Roman" pitchFamily="18" charset="0"/>
+              </a:rPr>
+              <a:t>value_counts</a:t>
+            </a:r>
+            <a:r>
+              <a:rPr lang="ru-RU" sz="2400" b="1" dirty="0" smtClean="0">
+                <a:latin typeface="Times New Roman" pitchFamily="18" charset="0"/>
+                <a:cs typeface="Times New Roman" pitchFamily="18" charset="0"/>
+              </a:rPr>
+              <a:t>()</a:t>
+            </a:r>
+            <a:r>
+              <a:rPr lang="ru-RU" sz="2400" dirty="0" smtClean="0">
+                <a:latin typeface="Times New Roman" pitchFamily="18" charset="0"/>
+                <a:cs typeface="Times New Roman" pitchFamily="18" charset="0"/>
+              </a:rPr>
+              <a:t> — функция библиотеки </a:t>
+            </a:r>
+            <a:r>
+              <a:rPr lang="ru-RU" sz="2400" dirty="0" err="1" smtClean="0">
+                <a:latin typeface="Times New Roman" pitchFamily="18" charset="0"/>
+                <a:cs typeface="Times New Roman" pitchFamily="18" charset="0"/>
+              </a:rPr>
+              <a:t>Pandas</a:t>
+            </a:r>
+            <a:r>
+              <a:rPr lang="ru-RU" sz="2400" dirty="0" smtClean="0">
+                <a:latin typeface="Times New Roman" pitchFamily="18" charset="0"/>
+                <a:cs typeface="Times New Roman" pitchFamily="18" charset="0"/>
+              </a:rPr>
+              <a:t> в </a:t>
+            </a:r>
+            <a:r>
+              <a:rPr lang="ru-RU" sz="2400" dirty="0" err="1" smtClean="0">
                 <a:latin typeface="Times New Roman" pitchFamily="18" charset="0"/>
                 <a:cs typeface="Times New Roman" pitchFamily="18" charset="0"/>
               </a:rPr>
               <a:t>Python</a:t>
             </a:r>
             <a:r>
-              <a:rPr lang="ru-RU" sz="2000" b="1" dirty="0" smtClean="0">
-                <a:latin typeface="Times New Roman" pitchFamily="18" charset="0"/>
-                <a:cs typeface="Times New Roman" pitchFamily="18" charset="0"/>
-              </a:rPr>
-              <a:t> </a:t>
-            </a:r>
-            <a:r>
-              <a:rPr lang="ru-RU" sz="2000" dirty="0" smtClean="0">
-                <a:latin typeface="Times New Roman" pitchFamily="18" charset="0"/>
-                <a:cs typeface="Times New Roman" pitchFamily="18" charset="0"/>
-              </a:rPr>
-              <a:t>— важная часть анализа данных. Часто исходные данные содержат даты в виде строк или неструктурированного текста, а для расчётов, фильтрации и визуализации нужен специальный формат </a:t>
-            </a:r>
-            <a:r>
-              <a:rPr lang="ru-RU" sz="2000" dirty="0" err="1" smtClean="0">
-                <a:latin typeface="Times New Roman" pitchFamily="18" charset="0"/>
-                <a:cs typeface="Times New Roman" pitchFamily="18" charset="0"/>
-              </a:rPr>
-              <a:t>datetime</a:t>
-            </a:r>
-            <a:r>
-              <a:rPr lang="ru-RU" sz="2000" dirty="0" smtClean="0">
-                <a:latin typeface="Times New Roman" pitchFamily="18" charset="0"/>
-                <a:cs typeface="Times New Roman" pitchFamily="18" charset="0"/>
-              </a:rPr>
-              <a:t>.</a:t>
-            </a:r>
-            <a:endParaRPr lang="ru-RU" sz="2000" dirty="0">
+              <a:rPr lang="ru-RU" sz="2400" dirty="0" smtClean="0">
+                <a:latin typeface="Times New Roman" pitchFamily="18" charset="0"/>
+                <a:cs typeface="Times New Roman" pitchFamily="18" charset="0"/>
+              </a:rPr>
+              <a:t>, которая подсчитывает количество уникальных значений в </a:t>
+            </a:r>
+            <a:r>
+              <a:rPr lang="ru-RU" sz="2400" dirty="0" err="1" smtClean="0">
+                <a:latin typeface="Times New Roman" pitchFamily="18" charset="0"/>
+                <a:cs typeface="Times New Roman" pitchFamily="18" charset="0"/>
+              </a:rPr>
+              <a:t>Series</a:t>
+            </a:r>
+            <a:r>
+              <a:rPr lang="ru-RU" sz="2400" dirty="0" smtClean="0">
+                <a:latin typeface="Times New Roman" pitchFamily="18" charset="0"/>
+                <a:cs typeface="Times New Roman" pitchFamily="18" charset="0"/>
+              </a:rPr>
+              <a:t> или в определённом столбце </a:t>
+            </a:r>
+            <a:r>
+              <a:rPr lang="ru-RU" sz="2400" dirty="0" err="1" smtClean="0">
+                <a:latin typeface="Times New Roman" pitchFamily="18" charset="0"/>
+                <a:cs typeface="Times New Roman" pitchFamily="18" charset="0"/>
+              </a:rPr>
+              <a:t>DataFrame</a:t>
+            </a:r>
+            <a:r>
+              <a:rPr lang="ru-RU" sz="2400" dirty="0" smtClean="0">
+                <a:latin typeface="Times New Roman" pitchFamily="18" charset="0"/>
+                <a:cs typeface="Times New Roman" pitchFamily="18" charset="0"/>
+              </a:rPr>
+              <a:t>. Результатом работы метода является </a:t>
+            </a:r>
+            <a:r>
+              <a:rPr lang="ru-RU" sz="2400" dirty="0" err="1" smtClean="0">
+                <a:latin typeface="Times New Roman" pitchFamily="18" charset="0"/>
+                <a:cs typeface="Times New Roman" pitchFamily="18" charset="0"/>
+              </a:rPr>
+              <a:t>Series</a:t>
+            </a:r>
+            <a:r>
+              <a:rPr lang="ru-RU" sz="2400" dirty="0" smtClean="0">
+                <a:latin typeface="Times New Roman" pitchFamily="18" charset="0"/>
+                <a:cs typeface="Times New Roman" pitchFamily="18" charset="0"/>
+              </a:rPr>
+              <a:t>, где индексами служат уникальные значения, а значениями — частота их появления, по умолчанию отсортированная по убыванию.</a:t>
+            </a:r>
+            <a:endParaRPr lang="en-US" sz="2400" dirty="0" smtClean="0">
               <a:latin typeface="Times New Roman" pitchFamily="18" charset="0"/>
               <a:cs typeface="Times New Roman" pitchFamily="18" charset="0"/>
             </a:endParaRPr>
           </a:p>
-        </p:txBody>
-      </p:sp>
-      <p:pic>
-        <p:nvPicPr>
-          <p:cNvPr id="6146" name="Picture 2"/>
-          <p:cNvPicPr>
-            <a:picLocks noChangeAspect="1" noChangeArrowheads="1"/>
-          </p:cNvPicPr>
-          <p:nvPr/>
-        </p:nvPicPr>
-        <p:blipFill>
-          <a:blip r:embed="rId2"/>
-          <a:srcRect/>
-          <a:stretch>
-            <a:fillRect/>
-          </a:stretch>
-        </p:blipFill>
-        <p:spPr bwMode="auto">
-          <a:xfrm>
-            <a:off x="785786" y="1643050"/>
-            <a:ext cx="7429552" cy="3575398"/>
-          </a:xfrm>
-          <a:prstGeom prst="rect">
-            <a:avLst/>
-          </a:prstGeom>
-          <a:noFill/>
-          <a:ln w="9525">
-            <a:noFill/>
-            <a:miter lim="800000"/>
-            <a:headEnd/>
-            <a:tailEnd/>
-          </a:ln>
-          <a:effectLst/>
-        </p:spPr>
-      </p:pic>
-      <p:pic>
-        <p:nvPicPr>
-          <p:cNvPr id="6147" name="Picture 3"/>
-          <p:cNvPicPr>
-            <a:picLocks noChangeAspect="1" noChangeArrowheads="1"/>
-          </p:cNvPicPr>
-          <p:nvPr/>
-        </p:nvPicPr>
-        <p:blipFill>
-          <a:blip r:embed="rId3"/>
-          <a:srcRect/>
-          <a:stretch>
-            <a:fillRect/>
-          </a:stretch>
-        </p:blipFill>
-        <p:spPr bwMode="auto">
-          <a:xfrm>
-            <a:off x="714348" y="5238746"/>
-            <a:ext cx="7713537" cy="1619254"/>
-          </a:xfrm>
-          <a:prstGeom prst="rect">
-            <a:avLst/>
-          </a:prstGeom>
-          <a:noFill/>
-          <a:ln w="9525">
-            <a:noFill/>
-            <a:miter lim="800000"/>
-            <a:headEnd/>
-            <a:tailEnd/>
-          </a:ln>
-          <a:effectLst/>
-        </p:spPr>
-      </p:pic>
-      <p:sp>
-        <p:nvSpPr>
-          <p:cNvPr id="5" name="Прямоугольник 4"/>
-          <p:cNvSpPr/>
-          <p:nvPr/>
-        </p:nvSpPr>
-        <p:spPr>
-          <a:xfrm>
-            <a:off x="0" y="0"/>
-            <a:ext cx="9143968" cy="369332"/>
-          </a:xfrm>
-          <a:prstGeom prst="rect">
-            <a:avLst/>
-          </a:prstGeom>
-        </p:spPr>
-        <p:txBody>
-          <a:bodyPr wrap="square">
-            <a:spAutoFit/>
-          </a:bodyPr>
-          <a:lstStyle/>
-          <a:p>
-            <a:pPr algn="ctr"/>
-            <a:r>
-              <a:rPr lang="en-US" b="1" dirty="0" smtClean="0">
-                <a:latin typeface="Times New Roman" pitchFamily="18" charset="0"/>
-                <a:cs typeface="Times New Roman" pitchFamily="18" charset="0"/>
-                <a:hlinkClick r:id="rId4"/>
-              </a:rPr>
-              <a:t>https://metanit.com/python/tutorial/8.1.php?ysclid=mltjo2qza3137811473</a:t>
-            </a:r>
-            <a:endParaRPr lang="en-US" b="1" dirty="0" smtClean="0">
+          <a:p>
+            <a:pPr algn="just"/>
+            <a:endParaRPr lang="en-US" sz="2400" dirty="0" smtClean="0">
               <a:latin typeface="Times New Roman" pitchFamily="18" charset="0"/>
               <a:cs typeface="Times New Roman" pitchFamily="18" charset="0"/>
+            </a:endParaRPr>
+          </a:p>
+          <a:p>
+            <a:pPr algn="just"/>
+            <a:r>
+              <a:rPr lang="en-US" sz="2000" dirty="0" smtClean="0">
+                <a:latin typeface="Courier New" pitchFamily="49" charset="0"/>
+                <a:cs typeface="Courier New" pitchFamily="49" charset="0"/>
+              </a:rPr>
+              <a:t>import pandas as pd</a:t>
+            </a:r>
+          </a:p>
+          <a:p>
+            <a:pPr algn="just"/>
+            <a:r>
+              <a:rPr lang="en-US" sz="2000" dirty="0" smtClean="0">
+                <a:latin typeface="Courier New" pitchFamily="49" charset="0"/>
+                <a:cs typeface="Courier New" pitchFamily="49" charset="0"/>
+              </a:rPr>
+              <a:t># </a:t>
+            </a:r>
+            <a:r>
+              <a:rPr lang="ru-RU" sz="2000" dirty="0" smtClean="0">
+                <a:latin typeface="Courier New" pitchFamily="49" charset="0"/>
+                <a:cs typeface="Courier New" pitchFamily="49" charset="0"/>
+              </a:rPr>
+              <a:t>Создаём </a:t>
+            </a:r>
+            <a:r>
+              <a:rPr lang="en-US" sz="2000" dirty="0" smtClean="0">
+                <a:latin typeface="Courier New" pitchFamily="49" charset="0"/>
+                <a:cs typeface="Courier New" pitchFamily="49" charset="0"/>
+              </a:rPr>
+              <a:t>Series </a:t>
+            </a:r>
+            <a:r>
+              <a:rPr lang="ru-RU" sz="2000" dirty="0" smtClean="0">
+                <a:latin typeface="Courier New" pitchFamily="49" charset="0"/>
+                <a:cs typeface="Courier New" pitchFamily="49" charset="0"/>
+              </a:rPr>
+              <a:t>с данными о фруктах</a:t>
+            </a:r>
+          </a:p>
+          <a:p>
+            <a:pPr algn="just"/>
+            <a:r>
+              <a:rPr lang="en-US" sz="2000" dirty="0" smtClean="0">
+                <a:latin typeface="Courier New" pitchFamily="49" charset="0"/>
+                <a:cs typeface="Courier New" pitchFamily="49" charset="0"/>
+              </a:rPr>
+              <a:t>fruits = </a:t>
+            </a:r>
+            <a:r>
+              <a:rPr lang="en-US" sz="2000" dirty="0" err="1" smtClean="0">
+                <a:latin typeface="Courier New" pitchFamily="49" charset="0"/>
+                <a:cs typeface="Courier New" pitchFamily="49" charset="0"/>
+              </a:rPr>
+              <a:t>pd.Series</a:t>
+            </a:r>
+            <a:r>
+              <a:rPr lang="en-US" sz="2000" dirty="0" smtClean="0">
+                <a:latin typeface="Courier New" pitchFamily="49" charset="0"/>
+                <a:cs typeface="Courier New" pitchFamily="49" charset="0"/>
+              </a:rPr>
+              <a:t>(['apple', 'banana', 'apple', 'orange', 'apple', 'banana', 'kiwi'])</a:t>
+            </a:r>
+          </a:p>
+          <a:p>
+            <a:pPr algn="just"/>
+            <a:r>
+              <a:rPr lang="en-US" sz="2000" dirty="0" smtClean="0">
+                <a:latin typeface="Courier New" pitchFamily="49" charset="0"/>
+                <a:cs typeface="Courier New" pitchFamily="49" charset="0"/>
+              </a:rPr>
+              <a:t># </a:t>
+            </a:r>
+            <a:r>
+              <a:rPr lang="ru-RU" sz="2000" dirty="0" smtClean="0">
+                <a:latin typeface="Courier New" pitchFamily="49" charset="0"/>
+                <a:cs typeface="Courier New" pitchFamily="49" charset="0"/>
+              </a:rPr>
+              <a:t>Применяем метод </a:t>
+            </a:r>
+            <a:r>
+              <a:rPr lang="en-US" sz="2000" dirty="0" err="1" smtClean="0">
+                <a:latin typeface="Courier New" pitchFamily="49" charset="0"/>
+                <a:cs typeface="Courier New" pitchFamily="49" charset="0"/>
+              </a:rPr>
+              <a:t>value_counts</a:t>
+            </a:r>
+            <a:r>
+              <a:rPr lang="en-US" sz="2000" dirty="0" smtClean="0">
+                <a:latin typeface="Courier New" pitchFamily="49" charset="0"/>
+                <a:cs typeface="Courier New" pitchFamily="49" charset="0"/>
+              </a:rPr>
+              <a:t>()</a:t>
+            </a:r>
+          </a:p>
+          <a:p>
+            <a:pPr algn="just"/>
+            <a:r>
+              <a:rPr lang="en-US" sz="2000" dirty="0" err="1" smtClean="0">
+                <a:latin typeface="Courier New" pitchFamily="49" charset="0"/>
+                <a:cs typeface="Courier New" pitchFamily="49" charset="0"/>
+              </a:rPr>
+              <a:t>fruit_counts</a:t>
+            </a:r>
+            <a:r>
+              <a:rPr lang="en-US" sz="2000" dirty="0" smtClean="0">
+                <a:latin typeface="Courier New" pitchFamily="49" charset="0"/>
+                <a:cs typeface="Courier New" pitchFamily="49" charset="0"/>
+              </a:rPr>
+              <a:t> = </a:t>
+            </a:r>
+            <a:r>
+              <a:rPr lang="en-US" sz="2000" dirty="0" err="1" smtClean="0">
+                <a:latin typeface="Courier New" pitchFamily="49" charset="0"/>
+                <a:cs typeface="Courier New" pitchFamily="49" charset="0"/>
+              </a:rPr>
+              <a:t>fruits.value_counts</a:t>
+            </a:r>
+            <a:r>
+              <a:rPr lang="en-US" sz="2000" dirty="0" smtClean="0">
+                <a:latin typeface="Courier New" pitchFamily="49" charset="0"/>
+                <a:cs typeface="Courier New" pitchFamily="49" charset="0"/>
+              </a:rPr>
+              <a:t>()</a:t>
+            </a:r>
+          </a:p>
+          <a:p>
+            <a:pPr algn="just"/>
+            <a:r>
+              <a:rPr lang="en-US" sz="2000" dirty="0" smtClean="0">
+                <a:latin typeface="Courier New" pitchFamily="49" charset="0"/>
+                <a:cs typeface="Courier New" pitchFamily="49" charset="0"/>
+              </a:rPr>
+              <a:t>print(</a:t>
+            </a:r>
+            <a:r>
+              <a:rPr lang="en-US" sz="2000" dirty="0" err="1" smtClean="0">
+                <a:latin typeface="Courier New" pitchFamily="49" charset="0"/>
+                <a:cs typeface="Courier New" pitchFamily="49" charset="0"/>
+              </a:rPr>
+              <a:t>fruit_counts</a:t>
+            </a:r>
+            <a:r>
+              <a:rPr lang="en-US" sz="2000" dirty="0" smtClean="0">
+                <a:latin typeface="Courier New" pitchFamily="49" charset="0"/>
+                <a:cs typeface="Courier New" pitchFamily="49" charset="0"/>
+              </a:rPr>
+              <a:t>)</a:t>
+            </a:r>
+          </a:p>
+          <a:p>
+            <a:pPr algn="just"/>
+            <a:r>
+              <a:rPr lang="en-US" sz="2000" b="1" dirty="0" smtClean="0">
+                <a:latin typeface="Courier New" pitchFamily="49" charset="0"/>
+                <a:cs typeface="Courier New" pitchFamily="49" charset="0"/>
+              </a:rPr>
+              <a:t># </a:t>
+            </a:r>
+            <a:r>
+              <a:rPr lang="ru-RU" sz="2000" b="1" dirty="0" smtClean="0">
+                <a:latin typeface="Courier New" pitchFamily="49" charset="0"/>
+                <a:cs typeface="Courier New" pitchFamily="49" charset="0"/>
+              </a:rPr>
+              <a:t>Результат:</a:t>
+            </a:r>
+          </a:p>
+          <a:p>
+            <a:pPr algn="just"/>
+            <a:r>
+              <a:rPr lang="ru-RU" sz="2000" b="1" dirty="0" smtClean="0">
+                <a:latin typeface="Courier New" pitchFamily="49" charset="0"/>
+                <a:cs typeface="Courier New" pitchFamily="49" charset="0"/>
+              </a:rPr>
+              <a:t># </a:t>
+            </a:r>
+            <a:r>
+              <a:rPr lang="en-US" sz="2000" b="1" dirty="0" smtClean="0">
+                <a:latin typeface="Courier New" pitchFamily="49" charset="0"/>
+                <a:cs typeface="Courier New" pitchFamily="49" charset="0"/>
+              </a:rPr>
+              <a:t>apple 3</a:t>
+            </a:r>
+          </a:p>
+          <a:p>
+            <a:pPr algn="just"/>
+            <a:r>
+              <a:rPr lang="en-US" sz="2000" b="1" dirty="0" smtClean="0">
+                <a:latin typeface="Courier New" pitchFamily="49" charset="0"/>
+                <a:cs typeface="Courier New" pitchFamily="49" charset="0"/>
+              </a:rPr>
+              <a:t># banana 2</a:t>
+            </a:r>
+          </a:p>
+          <a:p>
+            <a:pPr algn="just"/>
+            <a:r>
+              <a:rPr lang="en-US" sz="2000" b="1" dirty="0" smtClean="0">
+                <a:latin typeface="Courier New" pitchFamily="49" charset="0"/>
+                <a:cs typeface="Courier New" pitchFamily="49" charset="0"/>
+              </a:rPr>
+              <a:t># orange 1</a:t>
+            </a:r>
+          </a:p>
+          <a:p>
+            <a:pPr algn="just"/>
+            <a:r>
+              <a:rPr lang="en-US" sz="2000" b="1" dirty="0" smtClean="0">
+                <a:latin typeface="Courier New" pitchFamily="49" charset="0"/>
+                <a:cs typeface="Courier New" pitchFamily="49" charset="0"/>
+              </a:rPr>
+              <a:t># kiwi 1</a:t>
+            </a:r>
+          </a:p>
+          <a:p>
+            <a:pPr algn="just"/>
+            <a:r>
+              <a:rPr lang="en-US" sz="2000" b="1" dirty="0" smtClean="0">
+                <a:latin typeface="Courier New" pitchFamily="49" charset="0"/>
+                <a:cs typeface="Courier New" pitchFamily="49" charset="0"/>
+              </a:rPr>
+              <a:t># </a:t>
+            </a:r>
+            <a:r>
+              <a:rPr lang="en-US" sz="2000" b="1" dirty="0" err="1" smtClean="0">
+                <a:latin typeface="Courier New" pitchFamily="49" charset="0"/>
+                <a:cs typeface="Courier New" pitchFamily="49" charset="0"/>
+              </a:rPr>
+              <a:t>dtype</a:t>
+            </a:r>
+            <a:r>
+              <a:rPr lang="en-US" sz="2000" b="1" dirty="0" smtClean="0">
+                <a:latin typeface="Courier New" pitchFamily="49" charset="0"/>
+                <a:cs typeface="Courier New" pitchFamily="49" charset="0"/>
+              </a:rPr>
+              <a:t>: int64</a:t>
+            </a:r>
+            <a:endParaRPr lang="ru-RU" sz="2000" b="1" dirty="0">
+              <a:latin typeface="Courier New" pitchFamily="49" charset="0"/>
+              <a:cs typeface="Courier New" pitchFamily="49" charset="0"/>
             </a:endParaRPr>
           </a:p>
         </p:txBody>
@@ -3460,401 +3697,6 @@
 </file>
 
 <file path=ppt/slides/slide12.xml><?xml version="1.0" encoding="utf-8"?>
-<p:sld xmlns:a="http://schemas.openxmlformats.org/drawingml/2006/main" xmlns:r="http://schemas.openxmlformats.org/officeDocument/2006/relationships" xmlns:p="http://schemas.openxmlformats.org/presentationml/2006/main">
-  <p:cSld>
-    <p:spTree>
-      <p:nvGrpSpPr>
-        <p:cNvPr id="1" name=""/>
-        <p:cNvGrpSpPr/>
-        <p:nvPr/>
-      </p:nvGrpSpPr>
-      <p:grpSpPr>
-        <a:xfrm>
-          <a:off x="0" y="0"/>
-          <a:ext cx="0" cy="0"/>
-          <a:chOff x="0" y="0"/>
-          <a:chExt cx="0" cy="0"/>
-        </a:xfrm>
-      </p:grpSpPr>
-      <p:sp>
-        <p:nvSpPr>
-          <p:cNvPr id="2" name="Прямоугольник 1"/>
-          <p:cNvSpPr/>
-          <p:nvPr/>
-        </p:nvSpPr>
-        <p:spPr>
-          <a:xfrm>
-            <a:off x="0" y="214290"/>
-            <a:ext cx="9144000" cy="6678751"/>
-          </a:xfrm>
-          <a:prstGeom prst="rect">
-            <a:avLst/>
-          </a:prstGeom>
-        </p:spPr>
-        <p:txBody>
-          <a:bodyPr wrap="square">
-            <a:spAutoFit/>
-          </a:bodyPr>
-          <a:lstStyle/>
-          <a:p>
-            <a:pPr algn="just"/>
-            <a:r>
-              <a:rPr lang="ru-RU" sz="2400" b="1" dirty="0" err="1" smtClean="0">
-                <a:latin typeface="Times New Roman" pitchFamily="18" charset="0"/>
-                <a:cs typeface="Times New Roman" pitchFamily="18" charset="0"/>
-              </a:rPr>
-              <a:t>value_counts</a:t>
-            </a:r>
-            <a:r>
-              <a:rPr lang="ru-RU" sz="2400" b="1" dirty="0" smtClean="0">
-                <a:latin typeface="Times New Roman" pitchFamily="18" charset="0"/>
-                <a:cs typeface="Times New Roman" pitchFamily="18" charset="0"/>
-              </a:rPr>
-              <a:t>()</a:t>
-            </a:r>
-            <a:r>
-              <a:rPr lang="ru-RU" sz="2400" dirty="0" smtClean="0">
-                <a:latin typeface="Times New Roman" pitchFamily="18" charset="0"/>
-                <a:cs typeface="Times New Roman" pitchFamily="18" charset="0"/>
-              </a:rPr>
-              <a:t> — функция библиотеки </a:t>
-            </a:r>
-            <a:r>
-              <a:rPr lang="ru-RU" sz="2400" dirty="0" err="1" smtClean="0">
-                <a:latin typeface="Times New Roman" pitchFamily="18" charset="0"/>
-                <a:cs typeface="Times New Roman" pitchFamily="18" charset="0"/>
-              </a:rPr>
-              <a:t>Pandas</a:t>
-            </a:r>
-            <a:r>
-              <a:rPr lang="ru-RU" sz="2400" dirty="0" smtClean="0">
-                <a:latin typeface="Times New Roman" pitchFamily="18" charset="0"/>
-                <a:cs typeface="Times New Roman" pitchFamily="18" charset="0"/>
-              </a:rPr>
-              <a:t> в </a:t>
-            </a:r>
-            <a:r>
-              <a:rPr lang="ru-RU" sz="2400" dirty="0" err="1" smtClean="0">
-                <a:latin typeface="Times New Roman" pitchFamily="18" charset="0"/>
-                <a:cs typeface="Times New Roman" pitchFamily="18" charset="0"/>
-              </a:rPr>
-              <a:t>Python</a:t>
-            </a:r>
-            <a:r>
-              <a:rPr lang="ru-RU" sz="2400" dirty="0" smtClean="0">
-                <a:latin typeface="Times New Roman" pitchFamily="18" charset="0"/>
-                <a:cs typeface="Times New Roman" pitchFamily="18" charset="0"/>
-              </a:rPr>
-              <a:t>, которая подсчитывает количество уникальных значений в </a:t>
-            </a:r>
-            <a:r>
-              <a:rPr lang="ru-RU" sz="2400" dirty="0" err="1" smtClean="0">
-                <a:latin typeface="Times New Roman" pitchFamily="18" charset="0"/>
-                <a:cs typeface="Times New Roman" pitchFamily="18" charset="0"/>
-              </a:rPr>
-              <a:t>Series</a:t>
-            </a:r>
-            <a:r>
-              <a:rPr lang="ru-RU" sz="2400" dirty="0" smtClean="0">
-                <a:latin typeface="Times New Roman" pitchFamily="18" charset="0"/>
-                <a:cs typeface="Times New Roman" pitchFamily="18" charset="0"/>
-              </a:rPr>
-              <a:t> или в определённом столбце </a:t>
-            </a:r>
-            <a:r>
-              <a:rPr lang="ru-RU" sz="2400" dirty="0" err="1" smtClean="0">
-                <a:latin typeface="Times New Roman" pitchFamily="18" charset="0"/>
-                <a:cs typeface="Times New Roman" pitchFamily="18" charset="0"/>
-              </a:rPr>
-              <a:t>DataFrame</a:t>
-            </a:r>
-            <a:r>
-              <a:rPr lang="ru-RU" sz="2400" dirty="0" smtClean="0">
-                <a:latin typeface="Times New Roman" pitchFamily="18" charset="0"/>
-                <a:cs typeface="Times New Roman" pitchFamily="18" charset="0"/>
-              </a:rPr>
-              <a:t>. Результатом работы метода является </a:t>
-            </a:r>
-            <a:r>
-              <a:rPr lang="ru-RU" sz="2400" dirty="0" err="1" smtClean="0">
-                <a:latin typeface="Times New Roman" pitchFamily="18" charset="0"/>
-                <a:cs typeface="Times New Roman" pitchFamily="18" charset="0"/>
-              </a:rPr>
-              <a:t>Series</a:t>
-            </a:r>
-            <a:r>
-              <a:rPr lang="ru-RU" sz="2400" dirty="0" smtClean="0">
-                <a:latin typeface="Times New Roman" pitchFamily="18" charset="0"/>
-                <a:cs typeface="Times New Roman" pitchFamily="18" charset="0"/>
-              </a:rPr>
-              <a:t>, где индексами служат уникальные значения, а значениями — частота их появления, по умолчанию отсортированная по убыванию.</a:t>
-            </a:r>
-            <a:endParaRPr lang="en-US" sz="2400" dirty="0" smtClean="0">
-              <a:latin typeface="Times New Roman" pitchFamily="18" charset="0"/>
-              <a:cs typeface="Times New Roman" pitchFamily="18" charset="0"/>
-            </a:endParaRPr>
-          </a:p>
-          <a:p>
-            <a:pPr algn="just"/>
-            <a:endParaRPr lang="en-US" sz="2400" dirty="0" smtClean="0">
-              <a:latin typeface="Times New Roman" pitchFamily="18" charset="0"/>
-              <a:cs typeface="Times New Roman" pitchFamily="18" charset="0"/>
-            </a:endParaRPr>
-          </a:p>
-          <a:p>
-            <a:pPr algn="just"/>
-            <a:r>
-              <a:rPr lang="en-US" sz="2000" dirty="0" smtClean="0">
-                <a:latin typeface="Courier New" pitchFamily="49" charset="0"/>
-                <a:cs typeface="Courier New" pitchFamily="49" charset="0"/>
-              </a:rPr>
-              <a:t>import pandas as pd</a:t>
-            </a:r>
-          </a:p>
-          <a:p>
-            <a:pPr algn="just"/>
-            <a:r>
-              <a:rPr lang="en-US" sz="2000" dirty="0" smtClean="0">
-                <a:latin typeface="Courier New" pitchFamily="49" charset="0"/>
-                <a:cs typeface="Courier New" pitchFamily="49" charset="0"/>
-              </a:rPr>
-              <a:t># </a:t>
-            </a:r>
-            <a:r>
-              <a:rPr lang="ru-RU" sz="2000" dirty="0" smtClean="0">
-                <a:latin typeface="Courier New" pitchFamily="49" charset="0"/>
-                <a:cs typeface="Courier New" pitchFamily="49" charset="0"/>
-              </a:rPr>
-              <a:t>Создаём </a:t>
-            </a:r>
-            <a:r>
-              <a:rPr lang="en-US" sz="2000" dirty="0" smtClean="0">
-                <a:latin typeface="Courier New" pitchFamily="49" charset="0"/>
-                <a:cs typeface="Courier New" pitchFamily="49" charset="0"/>
-              </a:rPr>
-              <a:t>Series </a:t>
-            </a:r>
-            <a:r>
-              <a:rPr lang="ru-RU" sz="2000" dirty="0" smtClean="0">
-                <a:latin typeface="Courier New" pitchFamily="49" charset="0"/>
-                <a:cs typeface="Courier New" pitchFamily="49" charset="0"/>
-              </a:rPr>
-              <a:t>с данными о фруктах</a:t>
-            </a:r>
-          </a:p>
-          <a:p>
-            <a:pPr algn="just"/>
-            <a:r>
-              <a:rPr lang="en-US" sz="2000" dirty="0" smtClean="0">
-                <a:latin typeface="Courier New" pitchFamily="49" charset="0"/>
-                <a:cs typeface="Courier New" pitchFamily="49" charset="0"/>
-              </a:rPr>
-              <a:t>fruits = </a:t>
-            </a:r>
-            <a:r>
-              <a:rPr lang="en-US" sz="2000" dirty="0" err="1" smtClean="0">
-                <a:latin typeface="Courier New" pitchFamily="49" charset="0"/>
-                <a:cs typeface="Courier New" pitchFamily="49" charset="0"/>
-              </a:rPr>
-              <a:t>pd.Series</a:t>
-            </a:r>
-            <a:r>
-              <a:rPr lang="en-US" sz="2000" dirty="0" smtClean="0">
-                <a:latin typeface="Courier New" pitchFamily="49" charset="0"/>
-                <a:cs typeface="Courier New" pitchFamily="49" charset="0"/>
-              </a:rPr>
-              <a:t>(['apple', 'banana', 'apple', 'orange', 'apple', 'banana', 'kiwi'])</a:t>
-            </a:r>
-          </a:p>
-          <a:p>
-            <a:pPr algn="just"/>
-            <a:r>
-              <a:rPr lang="en-US" sz="2000" dirty="0" smtClean="0">
-                <a:latin typeface="Courier New" pitchFamily="49" charset="0"/>
-                <a:cs typeface="Courier New" pitchFamily="49" charset="0"/>
-              </a:rPr>
-              <a:t># </a:t>
-            </a:r>
-            <a:r>
-              <a:rPr lang="ru-RU" sz="2000" dirty="0" smtClean="0">
-                <a:latin typeface="Courier New" pitchFamily="49" charset="0"/>
-                <a:cs typeface="Courier New" pitchFamily="49" charset="0"/>
-              </a:rPr>
-              <a:t>Применяем метод </a:t>
-            </a:r>
-            <a:r>
-              <a:rPr lang="en-US" sz="2000" dirty="0" err="1" smtClean="0">
-                <a:latin typeface="Courier New" pitchFamily="49" charset="0"/>
-                <a:cs typeface="Courier New" pitchFamily="49" charset="0"/>
-              </a:rPr>
-              <a:t>value_counts</a:t>
-            </a:r>
-            <a:r>
-              <a:rPr lang="en-US" sz="2000" dirty="0" smtClean="0">
-                <a:latin typeface="Courier New" pitchFamily="49" charset="0"/>
-                <a:cs typeface="Courier New" pitchFamily="49" charset="0"/>
-              </a:rPr>
-              <a:t>()</a:t>
-            </a:r>
-          </a:p>
-          <a:p>
-            <a:pPr algn="just"/>
-            <a:r>
-              <a:rPr lang="en-US" sz="2000" dirty="0" err="1" smtClean="0">
-                <a:latin typeface="Courier New" pitchFamily="49" charset="0"/>
-                <a:cs typeface="Courier New" pitchFamily="49" charset="0"/>
-              </a:rPr>
-              <a:t>fruit_counts</a:t>
-            </a:r>
-            <a:r>
-              <a:rPr lang="en-US" sz="2000" dirty="0" smtClean="0">
-                <a:latin typeface="Courier New" pitchFamily="49" charset="0"/>
-                <a:cs typeface="Courier New" pitchFamily="49" charset="0"/>
-              </a:rPr>
-              <a:t> = </a:t>
-            </a:r>
-            <a:r>
-              <a:rPr lang="en-US" sz="2000" dirty="0" err="1" smtClean="0">
-                <a:latin typeface="Courier New" pitchFamily="49" charset="0"/>
-                <a:cs typeface="Courier New" pitchFamily="49" charset="0"/>
-              </a:rPr>
-              <a:t>fruits.value_counts</a:t>
-            </a:r>
-            <a:r>
-              <a:rPr lang="en-US" sz="2000" dirty="0" smtClean="0">
-                <a:latin typeface="Courier New" pitchFamily="49" charset="0"/>
-                <a:cs typeface="Courier New" pitchFamily="49" charset="0"/>
-              </a:rPr>
-              <a:t>()</a:t>
-            </a:r>
-          </a:p>
-          <a:p>
-            <a:pPr algn="just"/>
-            <a:r>
-              <a:rPr lang="en-US" sz="2000" dirty="0" smtClean="0">
-                <a:latin typeface="Courier New" pitchFamily="49" charset="0"/>
-                <a:cs typeface="Courier New" pitchFamily="49" charset="0"/>
-              </a:rPr>
-              <a:t>print(</a:t>
-            </a:r>
-            <a:r>
-              <a:rPr lang="en-US" sz="2000" dirty="0" err="1" smtClean="0">
-                <a:latin typeface="Courier New" pitchFamily="49" charset="0"/>
-                <a:cs typeface="Courier New" pitchFamily="49" charset="0"/>
-              </a:rPr>
-              <a:t>fruit_counts</a:t>
-            </a:r>
-            <a:r>
-              <a:rPr lang="en-US" sz="2000" dirty="0" smtClean="0">
-                <a:latin typeface="Courier New" pitchFamily="49" charset="0"/>
-                <a:cs typeface="Courier New" pitchFamily="49" charset="0"/>
-              </a:rPr>
-              <a:t>)</a:t>
-            </a:r>
-          </a:p>
-          <a:p>
-            <a:pPr algn="just"/>
-            <a:r>
-              <a:rPr lang="en-US" sz="2000" b="1" dirty="0" smtClean="0">
-                <a:latin typeface="Courier New" pitchFamily="49" charset="0"/>
-                <a:cs typeface="Courier New" pitchFamily="49" charset="0"/>
-              </a:rPr>
-              <a:t># </a:t>
-            </a:r>
-            <a:r>
-              <a:rPr lang="ru-RU" sz="2000" b="1" dirty="0" smtClean="0">
-                <a:latin typeface="Courier New" pitchFamily="49" charset="0"/>
-                <a:cs typeface="Courier New" pitchFamily="49" charset="0"/>
-              </a:rPr>
-              <a:t>Результат:</a:t>
-            </a:r>
-          </a:p>
-          <a:p>
-            <a:pPr algn="just"/>
-            <a:r>
-              <a:rPr lang="ru-RU" sz="2000" b="1" dirty="0" smtClean="0">
-                <a:latin typeface="Courier New" pitchFamily="49" charset="0"/>
-                <a:cs typeface="Courier New" pitchFamily="49" charset="0"/>
-              </a:rPr>
-              <a:t># </a:t>
-            </a:r>
-            <a:r>
-              <a:rPr lang="en-US" sz="2000" b="1" dirty="0" smtClean="0">
-                <a:latin typeface="Courier New" pitchFamily="49" charset="0"/>
-                <a:cs typeface="Courier New" pitchFamily="49" charset="0"/>
-              </a:rPr>
-              <a:t>apple 3</a:t>
-            </a:r>
-          </a:p>
-          <a:p>
-            <a:pPr algn="just"/>
-            <a:r>
-              <a:rPr lang="en-US" sz="2000" b="1" dirty="0" smtClean="0">
-                <a:latin typeface="Courier New" pitchFamily="49" charset="0"/>
-                <a:cs typeface="Courier New" pitchFamily="49" charset="0"/>
-              </a:rPr>
-              <a:t># banana 2</a:t>
-            </a:r>
-          </a:p>
-          <a:p>
-            <a:pPr algn="just"/>
-            <a:r>
-              <a:rPr lang="en-US" sz="2000" b="1" dirty="0" smtClean="0">
-                <a:latin typeface="Courier New" pitchFamily="49" charset="0"/>
-                <a:cs typeface="Courier New" pitchFamily="49" charset="0"/>
-              </a:rPr>
-              <a:t># orange 1</a:t>
-            </a:r>
-          </a:p>
-          <a:p>
-            <a:pPr algn="just"/>
-            <a:r>
-              <a:rPr lang="en-US" sz="2000" b="1" dirty="0" smtClean="0">
-                <a:latin typeface="Courier New" pitchFamily="49" charset="0"/>
-                <a:cs typeface="Courier New" pitchFamily="49" charset="0"/>
-              </a:rPr>
-              <a:t># kiwi 1</a:t>
-            </a:r>
-          </a:p>
-          <a:p>
-            <a:pPr algn="just"/>
-            <a:r>
-              <a:rPr lang="en-US" sz="2000" b="1" dirty="0" smtClean="0">
-                <a:latin typeface="Courier New" pitchFamily="49" charset="0"/>
-                <a:cs typeface="Courier New" pitchFamily="49" charset="0"/>
-              </a:rPr>
-              <a:t># </a:t>
-            </a:r>
-            <a:r>
-              <a:rPr lang="en-US" sz="2000" b="1" dirty="0" err="1" smtClean="0">
-                <a:latin typeface="Courier New" pitchFamily="49" charset="0"/>
-                <a:cs typeface="Courier New" pitchFamily="49" charset="0"/>
-              </a:rPr>
-              <a:t>dtype</a:t>
-            </a:r>
-            <a:r>
-              <a:rPr lang="en-US" sz="2000" b="1" dirty="0" smtClean="0">
-                <a:latin typeface="Courier New" pitchFamily="49" charset="0"/>
-                <a:cs typeface="Courier New" pitchFamily="49" charset="0"/>
-              </a:rPr>
-              <a:t>: int64</a:t>
-            </a:r>
-            <a:endParaRPr lang="ru-RU" sz="2000" b="1" dirty="0">
-              <a:latin typeface="Courier New" pitchFamily="49" charset="0"/>
-              <a:cs typeface="Courier New" pitchFamily="49" charset="0"/>
-            </a:endParaRPr>
-          </a:p>
-        </p:txBody>
-      </p:sp>
-    </p:spTree>
-  </p:cSld>
-  <p:clrMapOvr>
-    <a:masterClrMapping/>
-  </p:clrMapOvr>
-</p:sld>
-</file>
-
-<file path=ppt/slides/slide13.xml><?xml version="1.0" encoding="utf-8"?>
 <p:sld xmlns:a="http://schemas.openxmlformats.org/drawingml/2006/main" xmlns:r="http://schemas.openxmlformats.org/officeDocument/2006/relationships" xmlns:p="http://schemas.openxmlformats.org/presentationml/2006/main">
   <p:cSld>
     <p:spTree>
@@ -4139,7 +3981,7 @@
 </p:sld>
 </file>
 
-<file path=ppt/slides/slide14.xml><?xml version="1.0" encoding="utf-8"?>
+<file path=ppt/slides/slide13.xml><?xml version="1.0" encoding="utf-8"?>
 <p:sld xmlns:a="http://schemas.openxmlformats.org/drawingml/2006/main" xmlns:r="http://schemas.openxmlformats.org/officeDocument/2006/relationships" xmlns:p="http://schemas.openxmlformats.org/presentationml/2006/main">
   <p:cSld>
     <p:spTree>
@@ -4203,7 +4045,28 @@
                 <a:latin typeface="Times New Roman" pitchFamily="18" charset="0"/>
                 <a:cs typeface="Times New Roman" pitchFamily="18" charset="0"/>
               </a:rPr>
-              <a:t> о героев игры «</a:t>
+              <a:t> </a:t>
+            </a:r>
+            <a:r>
+              <a:rPr lang="ru-RU" sz="2400" smtClean="0">
+                <a:latin typeface="Times New Roman" pitchFamily="18" charset="0"/>
+                <a:cs typeface="Times New Roman" pitchFamily="18" charset="0"/>
+              </a:rPr>
+              <a:t>о </a:t>
+            </a:r>
+            <a:r>
+              <a:rPr lang="ru-RU" sz="2400" smtClean="0">
+                <a:latin typeface="Times New Roman" pitchFamily="18" charset="0"/>
+                <a:cs typeface="Times New Roman" pitchFamily="18" charset="0"/>
+              </a:rPr>
+              <a:t>героях </a:t>
+            </a:r>
+            <a:r>
+              <a:rPr lang="ru-RU" sz="2400" dirty="0" smtClean="0">
+                <a:latin typeface="Times New Roman" pitchFamily="18" charset="0"/>
+                <a:cs typeface="Times New Roman" pitchFamily="18" charset="0"/>
+              </a:rPr>
+              <a:t>игры «</a:t>
             </a:r>
             <a:r>
               <a:rPr lang="en-US" sz="2400" dirty="0" err="1" smtClean="0">

--- a/аналитика/лекции/2 предварительная обработка данных.pptx
+++ b/аналитика/лекции/2 предварительная обработка данных.pptx
@@ -301,7 +301,7 @@
             <a:fld id="{47CE11B8-3BAF-47CB-BD29-2C6350B84229}" type="datetimeFigureOut">
               <a:rPr lang="ru-RU" smtClean="0"/>
               <a:pPr/>
-              <a:t>25.02.2026</a:t>
+              <a:t>01.03.2026</a:t>
             </a:fld>
             <a:endParaRPr lang="ru-RU"/>
           </a:p>
@@ -468,7 +468,7 @@
             <a:fld id="{47CE11B8-3BAF-47CB-BD29-2C6350B84229}" type="datetimeFigureOut">
               <a:rPr lang="ru-RU" smtClean="0"/>
               <a:pPr/>
-              <a:t>25.02.2026</a:t>
+              <a:t>01.03.2026</a:t>
             </a:fld>
             <a:endParaRPr lang="ru-RU"/>
           </a:p>
@@ -645,7 +645,7 @@
             <a:fld id="{47CE11B8-3BAF-47CB-BD29-2C6350B84229}" type="datetimeFigureOut">
               <a:rPr lang="ru-RU" smtClean="0"/>
               <a:pPr/>
-              <a:t>25.02.2026</a:t>
+              <a:t>01.03.2026</a:t>
             </a:fld>
             <a:endParaRPr lang="ru-RU"/>
           </a:p>
@@ -812,7 +812,7 @@
             <a:fld id="{47CE11B8-3BAF-47CB-BD29-2C6350B84229}" type="datetimeFigureOut">
               <a:rPr lang="ru-RU" smtClean="0"/>
               <a:pPr/>
-              <a:t>25.02.2026</a:t>
+              <a:t>01.03.2026</a:t>
             </a:fld>
             <a:endParaRPr lang="ru-RU"/>
           </a:p>
@@ -1055,7 +1055,7 @@
             <a:fld id="{47CE11B8-3BAF-47CB-BD29-2C6350B84229}" type="datetimeFigureOut">
               <a:rPr lang="ru-RU" smtClean="0"/>
               <a:pPr/>
-              <a:t>25.02.2026</a:t>
+              <a:t>01.03.2026</a:t>
             </a:fld>
             <a:endParaRPr lang="ru-RU"/>
           </a:p>
@@ -1340,7 +1340,7 @@
             <a:fld id="{47CE11B8-3BAF-47CB-BD29-2C6350B84229}" type="datetimeFigureOut">
               <a:rPr lang="ru-RU" smtClean="0"/>
               <a:pPr/>
-              <a:t>25.02.2026</a:t>
+              <a:t>01.03.2026</a:t>
             </a:fld>
             <a:endParaRPr lang="ru-RU"/>
           </a:p>
@@ -1759,7 +1759,7 @@
             <a:fld id="{47CE11B8-3BAF-47CB-BD29-2C6350B84229}" type="datetimeFigureOut">
               <a:rPr lang="ru-RU" smtClean="0"/>
               <a:pPr/>
-              <a:t>25.02.2026</a:t>
+              <a:t>01.03.2026</a:t>
             </a:fld>
             <a:endParaRPr lang="ru-RU"/>
           </a:p>
@@ -1874,7 +1874,7 @@
             <a:fld id="{47CE11B8-3BAF-47CB-BD29-2C6350B84229}" type="datetimeFigureOut">
               <a:rPr lang="ru-RU" smtClean="0"/>
               <a:pPr/>
-              <a:t>25.02.2026</a:t>
+              <a:t>01.03.2026</a:t>
             </a:fld>
             <a:endParaRPr lang="ru-RU"/>
           </a:p>
@@ -1966,7 +1966,7 @@
             <a:fld id="{47CE11B8-3BAF-47CB-BD29-2C6350B84229}" type="datetimeFigureOut">
               <a:rPr lang="ru-RU" smtClean="0"/>
               <a:pPr/>
-              <a:t>25.02.2026</a:t>
+              <a:t>01.03.2026</a:t>
             </a:fld>
             <a:endParaRPr lang="ru-RU"/>
           </a:p>
@@ -2240,7 +2240,7 @@
             <a:fld id="{47CE11B8-3BAF-47CB-BD29-2C6350B84229}" type="datetimeFigureOut">
               <a:rPr lang="ru-RU" smtClean="0"/>
               <a:pPr/>
-              <a:t>25.02.2026</a:t>
+              <a:t>01.03.2026</a:t>
             </a:fld>
             <a:endParaRPr lang="ru-RU"/>
           </a:p>
@@ -2490,7 +2490,7 @@
             <a:fld id="{47CE11B8-3BAF-47CB-BD29-2C6350B84229}" type="datetimeFigureOut">
               <a:rPr lang="ru-RU" smtClean="0"/>
               <a:pPr/>
-              <a:t>25.02.2026</a:t>
+              <a:t>01.03.2026</a:t>
             </a:fld>
             <a:endParaRPr lang="ru-RU"/>
           </a:p>
@@ -2700,7 +2700,7 @@
             <a:fld id="{47CE11B8-3BAF-47CB-BD29-2C6350B84229}" type="datetimeFigureOut">
               <a:rPr lang="ru-RU" smtClean="0"/>
               <a:pPr/>
-              <a:t>25.02.2026</a:t>
+              <a:t>01.03.2026</a:t>
             </a:fld>
             <a:endParaRPr lang="ru-RU"/>
           </a:p>
@@ -4052,14 +4052,7 @@
                 <a:latin typeface="Times New Roman" pitchFamily="18" charset="0"/>
                 <a:cs typeface="Times New Roman" pitchFamily="18" charset="0"/>
               </a:rPr>
-              <a:t>о </a:t>
-            </a:r>
-            <a:r>
-              <a:rPr lang="ru-RU" sz="2400" smtClean="0">
-                <a:latin typeface="Times New Roman" pitchFamily="18" charset="0"/>
-                <a:cs typeface="Times New Roman" pitchFamily="18" charset="0"/>
-              </a:rPr>
-              <a:t>героях </a:t>
+              <a:t>о героях </a:t>
             </a:r>
             <a:r>
               <a:rPr lang="ru-RU" sz="2400" dirty="0" smtClean="0">
@@ -5206,8 +5199,8 @@
         </p:blipFill>
         <p:spPr bwMode="auto">
           <a:xfrm>
-            <a:off x="1500166" y="357166"/>
-            <a:ext cx="6209702" cy="1800249"/>
+            <a:off x="0" y="428604"/>
+            <a:ext cx="4929190" cy="1800249"/>
           </a:xfrm>
           <a:prstGeom prst="rect">
             <a:avLst/>
@@ -5239,7 +5232,7 @@
         </p:blipFill>
         <p:spPr bwMode="auto">
           <a:xfrm>
-            <a:off x="0" y="2714620"/>
+            <a:off x="214282" y="2357430"/>
             <a:ext cx="4350574" cy="1500198"/>
           </a:xfrm>
           <a:prstGeom prst="rect">
@@ -5272,7 +5265,7 @@
         </p:blipFill>
         <p:spPr bwMode="auto">
           <a:xfrm>
-            <a:off x="4857752" y="2214554"/>
+            <a:off x="5123064" y="1000108"/>
             <a:ext cx="4020936" cy="1928825"/>
           </a:xfrm>
           <a:prstGeom prst="rect">
@@ -5280,7 +5273,9 @@
           </a:prstGeom>
           <a:noFill/>
           <a:ln w="9525">
-            <a:noFill/>
+            <a:solidFill>
+              <a:srgbClr val="FF0000"/>
+            </a:solidFill>
             <a:miter lim="800000"/>
             <a:headEnd/>
             <a:tailEnd/>
@@ -5303,7 +5298,7 @@
         </p:blipFill>
         <p:spPr bwMode="auto">
           <a:xfrm>
-            <a:off x="142844" y="4143380"/>
+            <a:off x="0" y="4143380"/>
             <a:ext cx="5072066" cy="2530203"/>
           </a:xfrm>
           <a:prstGeom prst="rect">
@@ -5326,7 +5321,7 @@
         </p:nvSpPr>
         <p:spPr>
           <a:xfrm>
-            <a:off x="428596" y="6572272"/>
+            <a:off x="0" y="6572272"/>
             <a:ext cx="4201278" cy="369332"/>
           </a:xfrm>
           <a:prstGeom prst="rect">
@@ -5384,7 +5379,7 @@
         </p:nvSpPr>
         <p:spPr>
           <a:xfrm>
-            <a:off x="5286380" y="4786322"/>
+            <a:off x="5286380" y="5857892"/>
             <a:ext cx="3857620" cy="646331"/>
           </a:xfrm>
           <a:prstGeom prst="rect">
@@ -5528,7 +5523,7 @@
         </p:nvSpPr>
         <p:spPr>
           <a:xfrm>
-            <a:off x="6000760" y="5429264"/>
+            <a:off x="6000760" y="6488668"/>
             <a:ext cx="2504212" cy="369332"/>
           </a:xfrm>
           <a:prstGeom prst="rect">
@@ -5549,6 +5544,39 @@
           </a:p>
         </p:txBody>
       </p:sp>
+      <p:pic>
+        <p:nvPicPr>
+          <p:cNvPr id="1026" name="Picture 2"/>
+          <p:cNvPicPr>
+            <a:picLocks noChangeAspect="1" noChangeArrowheads="1"/>
+          </p:cNvPicPr>
+          <p:nvPr/>
+        </p:nvPicPr>
+        <p:blipFill>
+          <a:blip r:embed="rId6"/>
+          <a:srcRect/>
+          <a:stretch>
+            <a:fillRect/>
+          </a:stretch>
+        </p:blipFill>
+        <p:spPr bwMode="auto">
+          <a:xfrm>
+            <a:off x="5286380" y="3786190"/>
+            <a:ext cx="3857620" cy="2000250"/>
+          </a:xfrm>
+          <a:prstGeom prst="rect">
+            <a:avLst/>
+          </a:prstGeom>
+          <a:noFill/>
+          <a:ln w="9525">
+            <a:noFill/>
+            <a:miter lim="800000"/>
+            <a:headEnd/>
+            <a:tailEnd/>
+          </a:ln>
+          <a:effectLst/>
+        </p:spPr>
+      </p:pic>
     </p:spTree>
   </p:cSld>
   <p:clrMapOvr>
